--- a/docs/obrana.pptx
+++ b/docs/obrana.pptx
@@ -313,7 +313,7 @@
           <a:p>
             <a:fld id="{E23B3453-3586-4D88-B608-47EDCB1F6542}" type="datetimeFigureOut">
               <a:rPr lang="hr-HR" smtClean="0"/>
-              <a:t>2.7.2022.</a:t>
+              <a:t>5.7.2022.</a:t>
             </a:fld>
             <a:endParaRPr lang="hr-HR"/>
           </a:p>
@@ -513,7 +513,7 @@
           <a:p>
             <a:fld id="{E23B3453-3586-4D88-B608-47EDCB1F6542}" type="datetimeFigureOut">
               <a:rPr lang="hr-HR" smtClean="0"/>
-              <a:t>2.7.2022.</a:t>
+              <a:t>5.7.2022.</a:t>
             </a:fld>
             <a:endParaRPr lang="hr-HR"/>
           </a:p>
@@ -723,7 +723,7 @@
           <a:p>
             <a:fld id="{E23B3453-3586-4D88-B608-47EDCB1F6542}" type="datetimeFigureOut">
               <a:rPr lang="hr-HR" smtClean="0"/>
-              <a:t>2.7.2022.</a:t>
+              <a:t>5.7.2022.</a:t>
             </a:fld>
             <a:endParaRPr lang="hr-HR"/>
           </a:p>
@@ -923,7 +923,7 @@
           <a:p>
             <a:fld id="{E23B3453-3586-4D88-B608-47EDCB1F6542}" type="datetimeFigureOut">
               <a:rPr lang="hr-HR" smtClean="0"/>
-              <a:t>2.7.2022.</a:t>
+              <a:t>5.7.2022.</a:t>
             </a:fld>
             <a:endParaRPr lang="hr-HR"/>
           </a:p>
@@ -1199,7 +1199,7 @@
           <a:p>
             <a:fld id="{E23B3453-3586-4D88-B608-47EDCB1F6542}" type="datetimeFigureOut">
               <a:rPr lang="hr-HR" smtClean="0"/>
-              <a:t>2.7.2022.</a:t>
+              <a:t>5.7.2022.</a:t>
             </a:fld>
             <a:endParaRPr lang="hr-HR"/>
           </a:p>
@@ -1467,7 +1467,7 @@
           <a:p>
             <a:fld id="{E23B3453-3586-4D88-B608-47EDCB1F6542}" type="datetimeFigureOut">
               <a:rPr lang="hr-HR" smtClean="0"/>
-              <a:t>2.7.2022.</a:t>
+              <a:t>5.7.2022.</a:t>
             </a:fld>
             <a:endParaRPr lang="hr-HR"/>
           </a:p>
@@ -1882,7 +1882,7 @@
           <a:p>
             <a:fld id="{E23B3453-3586-4D88-B608-47EDCB1F6542}" type="datetimeFigureOut">
               <a:rPr lang="hr-HR" smtClean="0"/>
-              <a:t>2.7.2022.</a:t>
+              <a:t>5.7.2022.</a:t>
             </a:fld>
             <a:endParaRPr lang="hr-HR"/>
           </a:p>
@@ -2024,7 +2024,7 @@
           <a:p>
             <a:fld id="{E23B3453-3586-4D88-B608-47EDCB1F6542}" type="datetimeFigureOut">
               <a:rPr lang="hr-HR" smtClean="0"/>
-              <a:t>2.7.2022.</a:t>
+              <a:t>5.7.2022.</a:t>
             </a:fld>
             <a:endParaRPr lang="hr-HR"/>
           </a:p>
@@ -2137,7 +2137,7 @@
           <a:p>
             <a:fld id="{E23B3453-3586-4D88-B608-47EDCB1F6542}" type="datetimeFigureOut">
               <a:rPr lang="hr-HR" smtClean="0"/>
-              <a:t>2.7.2022.</a:t>
+              <a:t>5.7.2022.</a:t>
             </a:fld>
             <a:endParaRPr lang="hr-HR"/>
           </a:p>
@@ -2450,7 +2450,7 @@
           <a:p>
             <a:fld id="{E23B3453-3586-4D88-B608-47EDCB1F6542}" type="datetimeFigureOut">
               <a:rPr lang="hr-HR" smtClean="0"/>
-              <a:t>2.7.2022.</a:t>
+              <a:t>5.7.2022.</a:t>
             </a:fld>
             <a:endParaRPr lang="hr-HR"/>
           </a:p>
@@ -2739,7 +2739,7 @@
           <a:p>
             <a:fld id="{E23B3453-3586-4D88-B608-47EDCB1F6542}" type="datetimeFigureOut">
               <a:rPr lang="hr-HR" smtClean="0"/>
-              <a:t>2.7.2022.</a:t>
+              <a:t>5.7.2022.</a:t>
             </a:fld>
             <a:endParaRPr lang="hr-HR"/>
           </a:p>
@@ -2982,7 +2982,7 @@
           <a:p>
             <a:fld id="{E23B3453-3586-4D88-B608-47EDCB1F6542}" type="datetimeFigureOut">
               <a:rPr lang="hr-HR" smtClean="0"/>
-              <a:t>2.7.2022.</a:t>
+              <a:t>5.7.2022.</a:t>
             </a:fld>
             <a:endParaRPr lang="hr-HR"/>
           </a:p>
@@ -5070,6 +5070,285 @@
           </a:prstGeom>
         </p:spPr>
       </p:pic>
+      <p:sp>
+        <p:nvSpPr>
+          <p:cNvPr id="4" name="TextBox 3">
+            <a:extLst>
+              <a:ext uri="{FF2B5EF4-FFF2-40B4-BE49-F238E27FC236}">
+                <a16:creationId xmlns:a16="http://schemas.microsoft.com/office/drawing/2014/main" id="{7B72891C-D62F-4F1A-440B-491DF8FFB408}"/>
+              </a:ext>
+            </a:extLst>
+          </p:cNvPr>
+          <p:cNvSpPr txBox="1"/>
+          <p:nvPr/>
+        </p:nvSpPr>
+        <p:spPr>
+          <a:xfrm>
+            <a:off x="113874" y="1690688"/>
+            <a:ext cx="3781887" cy="5355312"/>
+          </a:xfrm>
+          <a:prstGeom prst="rect">
+            <a:avLst/>
+          </a:prstGeom>
+          <a:noFill/>
+        </p:spPr>
+        <p:txBody>
+          <a:bodyPr wrap="square" rtlCol="0">
+            <a:spAutoFit/>
+          </a:bodyPr>
+          <a:lstStyle/>
+          <a:p>
+            <a:pPr marL="285750" indent="-285750">
+              <a:buFont typeface="Arial" panose="020B0604020202020204" pitchFamily="34" charset="0"/>
+              <a:buChar char="•"/>
+            </a:pPr>
+            <a:r>
+              <a:rPr lang="hr-HR" dirty="0">
+                <a:latin typeface="Roboto" panose="02000000000000000000" pitchFamily="2" charset="0"/>
+                <a:ea typeface="Roboto" panose="02000000000000000000" pitchFamily="2" charset="0"/>
+              </a:rPr>
+              <a:t>Klasa </a:t>
+            </a:r>
+            <a:r>
+              <a:rPr lang="hr-HR" b="1" dirty="0">
+                <a:latin typeface="Roboto" panose="02000000000000000000" pitchFamily="2" charset="0"/>
+                <a:ea typeface="Roboto" panose="02000000000000000000" pitchFamily="2" charset="0"/>
+              </a:rPr>
+              <a:t>ListenerFragment</a:t>
+            </a:r>
+          </a:p>
+          <a:p>
+            <a:pPr marL="742950" lvl="1" indent="-285750">
+              <a:buFont typeface="Arial" panose="020B0604020202020204" pitchFamily="34" charset="0"/>
+              <a:buChar char="•"/>
+            </a:pPr>
+            <a:r>
+              <a:rPr lang="hr-HR" dirty="0">
+                <a:latin typeface="Roboto" panose="02000000000000000000" pitchFamily="2" charset="0"/>
+                <a:ea typeface="Roboto" panose="02000000000000000000" pitchFamily="2" charset="0"/>
+              </a:rPr>
+              <a:t>privatna klasa </a:t>
+            </a:r>
+            <a:r>
+              <a:rPr lang="hr-HR" b="1" dirty="0">
+                <a:latin typeface="Roboto" panose="02000000000000000000" pitchFamily="2" charset="0"/>
+                <a:ea typeface="Roboto" panose="02000000000000000000" pitchFamily="2" charset="0"/>
+              </a:rPr>
+              <a:t>PitchListener</a:t>
+            </a:r>
+          </a:p>
+          <a:p>
+            <a:pPr marL="1200150" lvl="2" indent="-285750">
+              <a:buFont typeface="Arial" panose="020B0604020202020204" pitchFamily="34" charset="0"/>
+              <a:buChar char="•"/>
+            </a:pPr>
+            <a:r>
+              <a:rPr lang="hr-HR" dirty="0">
+                <a:latin typeface="Roboto" panose="02000000000000000000" pitchFamily="2" charset="0"/>
+                <a:ea typeface="Roboto" panose="02000000000000000000" pitchFamily="2" charset="0"/>
+              </a:rPr>
+              <a:t>Nasljeđuje apstraktnu klasu </a:t>
+            </a:r>
+            <a:r>
+              <a:rPr lang="hr-HR" b="1" dirty="0">
+                <a:latin typeface="Roboto" panose="02000000000000000000" pitchFamily="2" charset="0"/>
+                <a:ea typeface="Roboto" panose="02000000000000000000" pitchFamily="2" charset="0"/>
+              </a:rPr>
+              <a:t>AsyncTask</a:t>
+            </a:r>
+          </a:p>
+          <a:p>
+            <a:endParaRPr lang="hr-HR" dirty="0">
+              <a:latin typeface="Roboto" panose="02000000000000000000" pitchFamily="2" charset="0"/>
+              <a:ea typeface="Roboto" panose="02000000000000000000" pitchFamily="2" charset="0"/>
+            </a:endParaRPr>
+          </a:p>
+          <a:p>
+            <a:pPr marL="285750" indent="-285750">
+              <a:buFont typeface="Arial" panose="020B0604020202020204" pitchFamily="34" charset="0"/>
+              <a:buChar char="•"/>
+            </a:pPr>
+            <a:r>
+              <a:rPr lang="hr-HR" b="1" dirty="0">
+                <a:latin typeface="Roboto" panose="02000000000000000000" pitchFamily="2" charset="0"/>
+                <a:ea typeface="Roboto" panose="02000000000000000000" pitchFamily="2" charset="0"/>
+              </a:rPr>
+              <a:t>PitchDetectionHandler </a:t>
+            </a:r>
+            <a:r>
+              <a:rPr lang="hr-HR" dirty="0">
+                <a:latin typeface="Roboto" panose="02000000000000000000" pitchFamily="2" charset="0"/>
+                <a:ea typeface="Roboto" panose="02000000000000000000" pitchFamily="2" charset="0"/>
+              </a:rPr>
+              <a:t>(TarsosDSP)</a:t>
+            </a:r>
+          </a:p>
+          <a:p>
+            <a:pPr marL="742950" lvl="1" indent="-285750">
+              <a:buFont typeface="Arial" panose="020B0604020202020204" pitchFamily="34" charset="0"/>
+              <a:buChar char="•"/>
+            </a:pPr>
+            <a:r>
+              <a:rPr lang="hr-HR" dirty="0">
+                <a:latin typeface="Roboto" panose="02000000000000000000" pitchFamily="2" charset="0"/>
+                <a:ea typeface="Roboto" panose="02000000000000000000" pitchFamily="2" charset="0"/>
+              </a:rPr>
+              <a:t>Detektiranje visine tona</a:t>
+            </a:r>
+          </a:p>
+          <a:p>
+            <a:pPr marL="742950" lvl="1" indent="-285750">
+              <a:buFont typeface="Arial" panose="020B0604020202020204" pitchFamily="34" charset="0"/>
+              <a:buChar char="•"/>
+            </a:pPr>
+            <a:r>
+              <a:rPr lang="hr-HR" dirty="0">
+                <a:latin typeface="Roboto" panose="02000000000000000000" pitchFamily="2" charset="0"/>
+                <a:ea typeface="Roboto" panose="02000000000000000000" pitchFamily="2" charset="0"/>
+              </a:rPr>
+              <a:t>handlePitch()</a:t>
+            </a:r>
+          </a:p>
+          <a:p>
+            <a:pPr marL="285750" indent="-285750">
+              <a:buFont typeface="Arial" panose="020B0604020202020204" pitchFamily="34" charset="0"/>
+              <a:buChar char="•"/>
+            </a:pPr>
+            <a:r>
+              <a:rPr lang="hr-HR" b="1" dirty="0">
+                <a:latin typeface="Roboto" panose="02000000000000000000" pitchFamily="2" charset="0"/>
+                <a:ea typeface="Roboto" panose="02000000000000000000" pitchFamily="2" charset="0"/>
+              </a:rPr>
+              <a:t>PitchDifference</a:t>
+            </a:r>
+          </a:p>
+          <a:p>
+            <a:pPr marL="742950" lvl="1" indent="-285750">
+              <a:buFont typeface="Arial" panose="020B0604020202020204" pitchFamily="34" charset="0"/>
+              <a:buChar char="•"/>
+            </a:pPr>
+            <a:r>
+              <a:rPr lang="hr-HR" dirty="0">
+                <a:latin typeface="Roboto" panose="02000000000000000000" pitchFamily="2" charset="0"/>
+                <a:ea typeface="Roboto" panose="02000000000000000000" pitchFamily="2" charset="0"/>
+              </a:rPr>
+              <a:t>Devijacija visine tona</a:t>
+            </a:r>
+          </a:p>
+          <a:p>
+            <a:pPr marL="742950" lvl="1" indent="-285750">
+              <a:buFont typeface="Arial" panose="020B0604020202020204" pitchFamily="34" charset="0"/>
+              <a:buChar char="•"/>
+            </a:pPr>
+            <a:r>
+              <a:rPr lang="hr-HR" b="1" dirty="0">
+                <a:latin typeface="Roboto" panose="02000000000000000000" pitchFamily="2" charset="0"/>
+                <a:ea typeface="Roboto" panose="02000000000000000000" pitchFamily="2" charset="0"/>
+              </a:rPr>
+              <a:t>PitchComparator</a:t>
+            </a:r>
+          </a:p>
+          <a:p>
+            <a:pPr marL="1200150" lvl="2" indent="-285750">
+              <a:buFont typeface="Arial" panose="020B0604020202020204" pitchFamily="34" charset="0"/>
+              <a:buChar char="•"/>
+            </a:pPr>
+            <a:r>
+              <a:rPr lang="hr-HR" dirty="0">
+                <a:latin typeface="Roboto" panose="02000000000000000000" pitchFamily="2" charset="0"/>
+                <a:ea typeface="Roboto" panose="02000000000000000000" pitchFamily="2" charset="0"/>
+              </a:rPr>
+              <a:t>retrieveNote()</a:t>
+            </a:r>
+          </a:p>
+          <a:p>
+            <a:pPr marL="1200150" lvl="2" indent="-285750">
+              <a:buFont typeface="Arial" panose="020B0604020202020204" pitchFamily="34" charset="0"/>
+              <a:buChar char="•"/>
+            </a:pPr>
+            <a:r>
+              <a:rPr lang="hr-HR" dirty="0">
+                <a:latin typeface="Roboto" panose="02000000000000000000" pitchFamily="2" charset="0"/>
+                <a:ea typeface="Roboto" panose="02000000000000000000" pitchFamily="2" charset="0"/>
+              </a:rPr>
+              <a:t>Devijacija u </a:t>
+            </a:r>
+            <a:r>
+              <a:rPr lang="hr-HR" b="1" dirty="0">
+                <a:latin typeface="Roboto" panose="02000000000000000000" pitchFamily="2" charset="0"/>
+                <a:ea typeface="Roboto" panose="02000000000000000000" pitchFamily="2" charset="0"/>
+              </a:rPr>
+              <a:t>centima</a:t>
+            </a:r>
+          </a:p>
+          <a:p>
+            <a:pPr marL="285750" indent="-285750">
+              <a:buFont typeface="Arial" panose="020B0604020202020204" pitchFamily="34" charset="0"/>
+              <a:buChar char="•"/>
+            </a:pPr>
+            <a:endParaRPr lang="hr-HR" dirty="0">
+              <a:latin typeface="Roboto" panose="02000000000000000000" pitchFamily="2" charset="0"/>
+              <a:ea typeface="Roboto" panose="02000000000000000000" pitchFamily="2" charset="0"/>
+            </a:endParaRPr>
+          </a:p>
+          <a:p>
+            <a:pPr marL="285750" indent="-285750">
+              <a:buFont typeface="Arial" panose="020B0604020202020204" pitchFamily="34" charset="0"/>
+              <a:buChar char="•"/>
+            </a:pPr>
+            <a:r>
+              <a:rPr lang="hr-HR" b="1" i="1" dirty="0">
+                <a:latin typeface="Roboto" panose="02000000000000000000" pitchFamily="2" charset="0"/>
+                <a:ea typeface="Roboto" panose="02000000000000000000" pitchFamily="2" charset="0"/>
+              </a:rPr>
+              <a:t>MIN_PITCH_COUNT </a:t>
+            </a:r>
+            <a:r>
+              <a:rPr lang="hr-HR" dirty="0">
+                <a:latin typeface="Roboto" panose="02000000000000000000" pitchFamily="2" charset="0"/>
+                <a:ea typeface="Roboto" panose="02000000000000000000" pitchFamily="2" charset="0"/>
+              </a:rPr>
+              <a:t>= 8 blokova</a:t>
+            </a:r>
+          </a:p>
+          <a:p>
+            <a:pPr marL="285750" indent="-285750">
+              <a:buFont typeface="Arial" panose="020B0604020202020204" pitchFamily="34" charset="0"/>
+              <a:buChar char="•"/>
+            </a:pPr>
+            <a:r>
+              <a:rPr lang="hr-HR" dirty="0">
+                <a:latin typeface="Roboto" panose="02000000000000000000" pitchFamily="2" charset="0"/>
+                <a:ea typeface="Roboto" panose="02000000000000000000" pitchFamily="2" charset="0"/>
+              </a:rPr>
+              <a:t>publishProgress()</a:t>
+            </a:r>
+          </a:p>
+          <a:p>
+            <a:pPr marL="742950" lvl="1" indent="-285750">
+              <a:buFont typeface="Arial" panose="020B0604020202020204" pitchFamily="34" charset="0"/>
+              <a:buChar char="•"/>
+            </a:pPr>
+            <a:r>
+              <a:rPr lang="hr-HR" dirty="0">
+                <a:latin typeface="Roboto" panose="02000000000000000000" pitchFamily="2" charset="0"/>
+                <a:ea typeface="Roboto" panose="02000000000000000000" pitchFamily="2" charset="0"/>
+              </a:rPr>
+              <a:t>Prikaz korisniku</a:t>
+            </a:r>
+          </a:p>
+          <a:p>
+            <a:pPr marL="285750" indent="-285750">
+              <a:buFont typeface="Arial" panose="020B0604020202020204" pitchFamily="34" charset="0"/>
+              <a:buChar char="•"/>
+            </a:pPr>
+            <a:endParaRPr lang="hr-HR" dirty="0">
+              <a:latin typeface="Roboto" panose="02000000000000000000" pitchFamily="2" charset="0"/>
+              <a:ea typeface="Roboto" panose="02000000000000000000" pitchFamily="2" charset="0"/>
+            </a:endParaRPr>
+          </a:p>
+        </p:txBody>
+      </p:sp>
     </p:spTree>
     <p:extLst>
       <p:ext uri="{BB962C8B-B14F-4D97-AF65-F5344CB8AC3E}">
@@ -5171,6 +5450,338 @@
           </a:prstGeom>
         </p:spPr>
       </p:pic>
+      <p:sp>
+        <p:nvSpPr>
+          <p:cNvPr id="4" name="TextBox 3">
+            <a:extLst>
+              <a:ext uri="{FF2B5EF4-FFF2-40B4-BE49-F238E27FC236}">
+                <a16:creationId xmlns:a16="http://schemas.microsoft.com/office/drawing/2014/main" id="{286A0070-B367-A5B2-5E23-08F9701B7390}"/>
+              </a:ext>
+            </a:extLst>
+          </p:cNvPr>
+          <p:cNvSpPr txBox="1"/>
+          <p:nvPr/>
+        </p:nvSpPr>
+        <p:spPr>
+          <a:xfrm>
+            <a:off x="113874" y="1690688"/>
+            <a:ext cx="4243797" cy="4801314"/>
+          </a:xfrm>
+          <a:prstGeom prst="rect">
+            <a:avLst/>
+          </a:prstGeom>
+          <a:noFill/>
+        </p:spPr>
+        <p:txBody>
+          <a:bodyPr wrap="square" rtlCol="0">
+            <a:spAutoFit/>
+          </a:bodyPr>
+          <a:lstStyle/>
+          <a:p>
+            <a:pPr marL="285750" indent="-285750">
+              <a:buFont typeface="Arial" panose="020B0604020202020204" pitchFamily="34" charset="0"/>
+              <a:buChar char="•"/>
+            </a:pPr>
+            <a:r>
+              <a:rPr lang="hr-HR" b="1" dirty="0">
+                <a:latin typeface="Roboto" panose="02000000000000000000" pitchFamily="2" charset="0"/>
+                <a:ea typeface="Roboto" panose="02000000000000000000" pitchFamily="2" charset="0"/>
+              </a:rPr>
+              <a:t>PitchProcessor</a:t>
+            </a:r>
+            <a:r>
+              <a:rPr lang="hr-HR" dirty="0">
+                <a:latin typeface="Roboto" panose="02000000000000000000" pitchFamily="2" charset="0"/>
+                <a:ea typeface="Roboto" panose="02000000000000000000" pitchFamily="2" charset="0"/>
+              </a:rPr>
+              <a:t> (TarsosDSP)</a:t>
+            </a:r>
+          </a:p>
+          <a:p>
+            <a:pPr marL="742950" lvl="1" indent="-285750">
+              <a:buFont typeface="Arial" panose="020B0604020202020204" pitchFamily="34" charset="0"/>
+              <a:buChar char="•"/>
+            </a:pPr>
+            <a:r>
+              <a:rPr lang="hr-HR" b="1" i="1" dirty="0">
+                <a:latin typeface="Roboto" panose="02000000000000000000" pitchFamily="2" charset="0"/>
+                <a:ea typeface="Roboto" panose="02000000000000000000" pitchFamily="2" charset="0"/>
+              </a:rPr>
+              <a:t>SAMPLE_RATE</a:t>
+            </a:r>
+            <a:r>
+              <a:rPr lang="hr-HR" b="1" dirty="0">
+                <a:latin typeface="Roboto" panose="02000000000000000000" pitchFamily="2" charset="0"/>
+                <a:ea typeface="Roboto" panose="02000000000000000000" pitchFamily="2" charset="0"/>
+              </a:rPr>
+              <a:t> </a:t>
+            </a:r>
+            <a:r>
+              <a:rPr lang="hr-HR" dirty="0">
+                <a:latin typeface="Roboto" panose="02000000000000000000" pitchFamily="2" charset="0"/>
+                <a:ea typeface="Roboto" panose="02000000000000000000" pitchFamily="2" charset="0"/>
+              </a:rPr>
+              <a:t>= 44,1 kHz</a:t>
+            </a:r>
+          </a:p>
+          <a:p>
+            <a:pPr marL="742950" lvl="1" indent="-285750">
+              <a:buFont typeface="Arial" panose="020B0604020202020204" pitchFamily="34" charset="0"/>
+              <a:buChar char="•"/>
+            </a:pPr>
+            <a:r>
+              <a:rPr lang="hr-HR" b="1" i="1" dirty="0">
+                <a:latin typeface="Roboto" panose="02000000000000000000" pitchFamily="2" charset="0"/>
+                <a:ea typeface="Roboto" panose="02000000000000000000" pitchFamily="2" charset="0"/>
+              </a:rPr>
+              <a:t>BUFFER_SIZE</a:t>
+            </a:r>
+            <a:r>
+              <a:rPr lang="hr-HR" b="1" dirty="0">
+                <a:latin typeface="Roboto" panose="02000000000000000000" pitchFamily="2" charset="0"/>
+                <a:ea typeface="Roboto" panose="02000000000000000000" pitchFamily="2" charset="0"/>
+              </a:rPr>
+              <a:t> </a:t>
+            </a:r>
+            <a:r>
+              <a:rPr lang="hr-HR" dirty="0">
+                <a:latin typeface="Roboto" panose="02000000000000000000" pitchFamily="2" charset="0"/>
+                <a:ea typeface="Roboto" panose="02000000000000000000" pitchFamily="2" charset="0"/>
+              </a:rPr>
+              <a:t>= 4096</a:t>
+            </a:r>
+          </a:p>
+          <a:p>
+            <a:pPr marL="742950" lvl="1" indent="-285750">
+              <a:buFont typeface="Arial" panose="020B0604020202020204" pitchFamily="34" charset="0"/>
+              <a:buChar char="•"/>
+            </a:pPr>
+            <a:r>
+              <a:rPr lang="hr-HR" b="1" dirty="0">
+                <a:latin typeface="Roboto" panose="02000000000000000000" pitchFamily="2" charset="0"/>
+                <a:ea typeface="Roboto" panose="02000000000000000000" pitchFamily="2" charset="0"/>
+              </a:rPr>
+              <a:t>Rezolucija = 10,77 Hz</a:t>
+            </a:r>
+          </a:p>
+          <a:p>
+            <a:pPr marL="285750" indent="-285750">
+              <a:buFont typeface="Arial" panose="020B0604020202020204" pitchFamily="34" charset="0"/>
+              <a:buChar char="•"/>
+            </a:pPr>
+            <a:endParaRPr lang="hr-HR" dirty="0">
+              <a:latin typeface="Roboto" panose="02000000000000000000" pitchFamily="2" charset="0"/>
+              <a:ea typeface="Roboto" panose="02000000000000000000" pitchFamily="2" charset="0"/>
+            </a:endParaRPr>
+          </a:p>
+          <a:p>
+            <a:pPr marL="742950" lvl="1" indent="-285750">
+              <a:buFont typeface="Arial" panose="020B0604020202020204" pitchFamily="34" charset="0"/>
+              <a:buChar char="•"/>
+            </a:pPr>
+            <a:r>
+              <a:rPr lang="hr-HR" dirty="0">
+                <a:latin typeface="Roboto" panose="02000000000000000000" pitchFamily="2" charset="0"/>
+                <a:ea typeface="Roboto" panose="02000000000000000000" pitchFamily="2" charset="0"/>
+              </a:rPr>
+              <a:t>Implementira AudioProcessor</a:t>
+            </a:r>
+          </a:p>
+          <a:p>
+            <a:pPr marL="285750" indent="-285750">
+              <a:buFont typeface="Arial" panose="020B0604020202020204" pitchFamily="34" charset="0"/>
+              <a:buChar char="•"/>
+            </a:pPr>
+            <a:r>
+              <a:rPr lang="hr-HR" b="1" dirty="0">
+                <a:latin typeface="Roboto" panose="02000000000000000000" pitchFamily="2" charset="0"/>
+                <a:ea typeface="Roboto" panose="02000000000000000000" pitchFamily="2" charset="0"/>
+              </a:rPr>
+              <a:t>AudioProcessor</a:t>
+            </a:r>
+            <a:r>
+              <a:rPr lang="hr-HR" dirty="0">
+                <a:latin typeface="Roboto" panose="02000000000000000000" pitchFamily="2" charset="0"/>
+                <a:ea typeface="Roboto" panose="02000000000000000000" pitchFamily="2" charset="0"/>
+              </a:rPr>
+              <a:t> (TarsosDSP)</a:t>
+            </a:r>
+          </a:p>
+          <a:p>
+            <a:pPr marL="742950" lvl="1" indent="-285750">
+              <a:buFont typeface="Arial" panose="020B0604020202020204" pitchFamily="34" charset="0"/>
+              <a:buChar char="•"/>
+            </a:pPr>
+            <a:r>
+              <a:rPr lang="hr-HR" dirty="0">
+                <a:latin typeface="Roboto" panose="02000000000000000000" pitchFamily="2" charset="0"/>
+                <a:ea typeface="Roboto" panose="02000000000000000000" pitchFamily="2" charset="0"/>
+              </a:rPr>
+              <a:t>Odabir algoritama </a:t>
+            </a:r>
+            <a:r>
+              <a:rPr lang="hr-HR" dirty="0">
+                <a:latin typeface="Roboto" panose="02000000000000000000" pitchFamily="2" charset="0"/>
+                <a:ea typeface="Roboto" panose="02000000000000000000" pitchFamily="2" charset="0"/>
+                <a:cs typeface="Lucida Sans Unicode" panose="020B0602030504020204" pitchFamily="34" charset="0"/>
+              </a:rPr>
+              <a:t>→</a:t>
+            </a:r>
+            <a:r>
+              <a:rPr lang="hr-HR" dirty="0">
+                <a:latin typeface="Roboto" panose="02000000000000000000" pitchFamily="2" charset="0"/>
+                <a:ea typeface="Roboto" panose="02000000000000000000" pitchFamily="2" charset="0"/>
+              </a:rPr>
+              <a:t> FastYin</a:t>
+            </a:r>
+          </a:p>
+          <a:p>
+            <a:pPr marL="285750" indent="-285750">
+              <a:buFont typeface="Arial" panose="020B0604020202020204" pitchFamily="34" charset="0"/>
+              <a:buChar char="•"/>
+            </a:pPr>
+            <a:endParaRPr lang="hr-HR" dirty="0">
+              <a:latin typeface="Roboto" panose="02000000000000000000" pitchFamily="2" charset="0"/>
+              <a:ea typeface="Roboto" panose="02000000000000000000" pitchFamily="2" charset="0"/>
+            </a:endParaRPr>
+          </a:p>
+          <a:p>
+            <a:pPr marL="285750" indent="-285750">
+              <a:buFont typeface="Arial" panose="020B0604020202020204" pitchFamily="34" charset="0"/>
+              <a:buChar char="•"/>
+            </a:pPr>
+            <a:r>
+              <a:rPr lang="hr-HR" b="1" dirty="0">
+                <a:latin typeface="Roboto" panose="02000000000000000000" pitchFamily="2" charset="0"/>
+                <a:ea typeface="Roboto" panose="02000000000000000000" pitchFamily="2" charset="0"/>
+              </a:rPr>
+              <a:t>AudioDispatcher</a:t>
+            </a:r>
+            <a:r>
+              <a:rPr lang="hr-HR" dirty="0">
+                <a:latin typeface="Roboto" panose="02000000000000000000" pitchFamily="2" charset="0"/>
+                <a:ea typeface="Roboto" panose="02000000000000000000" pitchFamily="2" charset="0"/>
+              </a:rPr>
+              <a:t> (TarsosDSP)</a:t>
+            </a:r>
+          </a:p>
+          <a:p>
+            <a:pPr marL="742950" lvl="1" indent="-285750">
+              <a:buFont typeface="Arial" panose="020B0604020202020204" pitchFamily="34" charset="0"/>
+              <a:buChar char="•"/>
+            </a:pPr>
+            <a:r>
+              <a:rPr lang="hr-HR" dirty="0">
+                <a:latin typeface="Roboto" panose="02000000000000000000" pitchFamily="2" charset="0"/>
+                <a:ea typeface="Roboto" panose="02000000000000000000" pitchFamily="2" charset="0"/>
+              </a:rPr>
+              <a:t>Zvučni signal </a:t>
+            </a:r>
+            <a:r>
+              <a:rPr lang="hr-HR" dirty="0">
+                <a:latin typeface="Roboto" panose="02000000000000000000" pitchFamily="2" charset="0"/>
+                <a:ea typeface="Roboto" panose="02000000000000000000" pitchFamily="2" charset="0"/>
+                <a:cs typeface="Lucida Sans Unicode" panose="020B0602030504020204" pitchFamily="34" charset="0"/>
+              </a:rPr>
+              <a:t>→ obradivi blokovi</a:t>
+            </a:r>
+            <a:endParaRPr lang="hr-HR" dirty="0">
+              <a:latin typeface="Roboto" panose="02000000000000000000" pitchFamily="2" charset="0"/>
+              <a:ea typeface="Roboto" panose="02000000000000000000" pitchFamily="2" charset="0"/>
+            </a:endParaRPr>
+          </a:p>
+          <a:p>
+            <a:pPr marL="742950" lvl="1" indent="-285750">
+              <a:buFont typeface="Arial" panose="020B0604020202020204" pitchFamily="34" charset="0"/>
+              <a:buChar char="•"/>
+            </a:pPr>
+            <a:r>
+              <a:rPr lang="hr-HR" b="1" dirty="0">
+                <a:latin typeface="Roboto" panose="02000000000000000000" pitchFamily="2" charset="0"/>
+                <a:ea typeface="Roboto" panose="02000000000000000000" pitchFamily="2" charset="0"/>
+              </a:rPr>
+              <a:t>AudioDispatcherFactory</a:t>
+            </a:r>
+          </a:p>
+          <a:p>
+            <a:pPr marL="1200150" lvl="2" indent="-285750">
+              <a:buFont typeface="Arial" panose="020B0604020202020204" pitchFamily="34" charset="0"/>
+              <a:buChar char="•"/>
+            </a:pPr>
+            <a:r>
+              <a:rPr lang="hr-HR" dirty="0">
+                <a:latin typeface="Roboto" panose="02000000000000000000" pitchFamily="2" charset="0"/>
+                <a:ea typeface="Roboto" panose="02000000000000000000" pitchFamily="2" charset="0"/>
+              </a:rPr>
+              <a:t>specifikacija izvora zvuka</a:t>
+            </a:r>
+          </a:p>
+          <a:p>
+            <a:pPr marL="1200150" lvl="2" indent="-285750">
+              <a:buFont typeface="Arial" panose="020B0604020202020204" pitchFamily="34" charset="0"/>
+              <a:buChar char="•"/>
+            </a:pPr>
+            <a:r>
+              <a:rPr lang="hr-HR" dirty="0">
+                <a:latin typeface="Roboto" panose="02000000000000000000" pitchFamily="2" charset="0"/>
+                <a:ea typeface="Roboto" panose="02000000000000000000" pitchFamily="2" charset="0"/>
+              </a:rPr>
+              <a:t>fromDefaultMicrophone()</a:t>
+            </a:r>
+          </a:p>
+          <a:p>
+            <a:pPr marL="1200150" lvl="2" indent="-285750">
+              <a:buFont typeface="Arial" panose="020B0604020202020204" pitchFamily="34" charset="0"/>
+              <a:buChar char="•"/>
+            </a:pPr>
+            <a:endParaRPr lang="hr-HR" dirty="0">
+              <a:latin typeface="Roboto" panose="02000000000000000000" pitchFamily="2" charset="0"/>
+              <a:ea typeface="Roboto" panose="02000000000000000000" pitchFamily="2" charset="0"/>
+            </a:endParaRPr>
+          </a:p>
+          <a:p>
+            <a:pPr marL="1200150" lvl="2" indent="-285750">
+              <a:buFont typeface="Arial" panose="020B0604020202020204" pitchFamily="34" charset="0"/>
+              <a:buChar char="•"/>
+            </a:pPr>
+            <a:r>
+              <a:rPr lang="hr-HR" b="1" i="1" dirty="0">
+                <a:latin typeface="Roboto" panose="02000000000000000000" pitchFamily="2" charset="0"/>
+                <a:ea typeface="Roboto" panose="02000000000000000000" pitchFamily="2" charset="0"/>
+              </a:rPr>
+              <a:t>OVERLAP</a:t>
+            </a:r>
+            <a:r>
+              <a:rPr lang="hr-HR" i="1" dirty="0">
+                <a:latin typeface="Roboto" panose="02000000000000000000" pitchFamily="2" charset="0"/>
+                <a:ea typeface="Roboto" panose="02000000000000000000" pitchFamily="2" charset="0"/>
+              </a:rPr>
+              <a:t> </a:t>
+            </a:r>
+            <a:r>
+              <a:rPr lang="hr-HR" dirty="0">
+                <a:latin typeface="Roboto" panose="02000000000000000000" pitchFamily="2" charset="0"/>
+                <a:ea typeface="Roboto" panose="02000000000000000000" pitchFamily="2" charset="0"/>
+              </a:rPr>
+              <a:t>= 3072 (75%)</a:t>
+            </a:r>
+            <a:endParaRPr lang="hr-HR" i="1" dirty="0">
+              <a:latin typeface="Roboto" panose="02000000000000000000" pitchFamily="2" charset="0"/>
+              <a:ea typeface="Roboto" panose="02000000000000000000" pitchFamily="2" charset="0"/>
+            </a:endParaRPr>
+          </a:p>
+          <a:p>
+            <a:pPr marL="742950" lvl="1" indent="-285750">
+              <a:buFont typeface="Arial" panose="020B0604020202020204" pitchFamily="34" charset="0"/>
+              <a:buChar char="•"/>
+            </a:pPr>
+            <a:endParaRPr lang="hr-HR" dirty="0">
+              <a:latin typeface="Roboto" panose="02000000000000000000" pitchFamily="2" charset="0"/>
+              <a:ea typeface="Roboto" panose="02000000000000000000" pitchFamily="2" charset="0"/>
+            </a:endParaRPr>
+          </a:p>
+        </p:txBody>
+      </p:sp>
     </p:spTree>
     <p:extLst>
       <p:ext uri="{BB962C8B-B14F-4D97-AF65-F5344CB8AC3E}">
@@ -5864,8 +6475,8 @@
           </a:p>
         </p:txBody>
       </p:sp>
-      <mc:AlternateContent xmlns:mc="http://schemas.openxmlformats.org/markup-compatibility/2006">
-        <mc:Choice xmlns:a14="http://schemas.microsoft.com/office/drawing/2010/main" Requires="a14">
+      <mc:AlternateContent xmlns:mc="http://schemas.openxmlformats.org/markup-compatibility/2006" xmlns:a14="http://schemas.microsoft.com/office/drawing/2010/main">
+        <mc:Choice Requires="a14">
           <p:sp>
             <p:nvSpPr>
               <p:cNvPr id="3" name="Content Placeholder 2">
@@ -6031,7 +6642,14 @@
                             <a:latin typeface="Cambria Math" panose="02040503050406030204" pitchFamily="18" charset="0"/>
                             <a:ea typeface="Roboto" panose="02000000000000000000" pitchFamily="2" charset="0"/>
                           </a:rPr>
-                          <m:t>𝟏𝟐</m:t>
+                          <m:t>𝟏</m:t>
+                        </m:r>
+                        <m:r>
+                          <a:rPr lang="hr-HR" b="1" i="1" smtClean="0">
+                            <a:latin typeface="Cambria Math" panose="02040503050406030204" pitchFamily="18" charset="0"/>
+                            <a:ea typeface="Roboto" panose="02000000000000000000" pitchFamily="2" charset="0"/>
+                          </a:rPr>
+                          <m:t>𝟐</m:t>
                         </m:r>
                       </m:deg>
                       <m:e>
@@ -6095,7 +6713,7 @@
             </p:txBody>
           </p:sp>
         </mc:Choice>
-        <mc:Fallback>
+        <mc:Fallback xmlns="">
           <p:sp>
             <p:nvSpPr>
               <p:cNvPr id="3" name="Content Placeholder 2">
@@ -6232,8 +6850,8 @@
           </a:p>
         </p:txBody>
       </p:sp>
-      <mc:AlternateContent xmlns:mc="http://schemas.openxmlformats.org/markup-compatibility/2006">
-        <mc:Choice xmlns:a14="http://schemas.microsoft.com/office/drawing/2010/main" Requires="a14">
+      <mc:AlternateContent xmlns:mc="http://schemas.openxmlformats.org/markup-compatibility/2006" xmlns:a14="http://schemas.microsoft.com/office/drawing/2010/main">
+        <mc:Choice Requires="a14">
           <p:sp>
             <p:nvSpPr>
               <p:cNvPr id="3" name="Content Placeholder 2">
@@ -6602,7 +7220,7 @@
             </p:txBody>
           </p:sp>
         </mc:Choice>
-        <mc:Fallback>
+        <mc:Fallback xmlns="">
           <p:sp>
             <p:nvSpPr>
               <p:cNvPr id="3" name="Content Placeholder 2">
@@ -7177,8 +7795,8 @@
           </a:p>
         </p:txBody>
       </p:sp>
-      <mc:AlternateContent xmlns:mc="http://schemas.openxmlformats.org/markup-compatibility/2006">
-        <mc:Choice xmlns:a14="http://schemas.microsoft.com/office/drawing/2010/main" Requires="a14">
+      <mc:AlternateContent xmlns:mc="http://schemas.openxmlformats.org/markup-compatibility/2006" xmlns:a14="http://schemas.microsoft.com/office/drawing/2010/main">
+        <mc:Choice Requires="a14">
           <p:sp>
             <p:nvSpPr>
               <p:cNvPr id="3" name="Content Placeholder 2">
@@ -7239,7 +7857,7 @@
                     <m:sSub>
                       <m:sSubPr>
                         <m:ctrlPr>
-                          <a:rPr lang="hr-HR" smtClean="0">
+                          <a:rPr lang="hr-HR" i="1" smtClean="0">
                             <a:latin typeface="Cambria Math" panose="02040503050406030204" pitchFamily="18" charset="0"/>
                           </a:rPr>
                         </m:ctrlPr>
@@ -7314,7 +7932,7 @@
                     <m:sSub>
                       <m:sSubPr>
                         <m:ctrlPr>
-                          <a:rPr lang="hr-HR" smtClean="0">
+                          <a:rPr lang="hr-HR" i="1" smtClean="0">
                             <a:latin typeface="Cambria Math" panose="02040503050406030204" pitchFamily="18" charset="0"/>
                             <a:ea typeface="Roboto" panose="02000000000000000000" pitchFamily="2" charset="0"/>
                           </a:rPr>
@@ -7352,7 +7970,7 @@
                     <m:sSub>
                       <m:sSubPr>
                         <m:ctrlPr>
-                          <a:rPr lang="hr-HR" smtClean="0">
+                          <a:rPr lang="hr-HR" i="1" smtClean="0">
                             <a:latin typeface="Cambria Math" panose="02040503050406030204" pitchFamily="18" charset="0"/>
                             <a:ea typeface="Roboto" panose="02000000000000000000" pitchFamily="2" charset="0"/>
                           </a:rPr>
@@ -7390,7 +8008,7 @@
                     <m:sSub>
                       <m:sSubPr>
                         <m:ctrlPr>
-                          <a:rPr lang="hr-HR" smtClean="0">
+                          <a:rPr lang="hr-HR" i="1" smtClean="0">
                             <a:latin typeface="Cambria Math" panose="02040503050406030204" pitchFamily="18" charset="0"/>
                             <a:ea typeface="Roboto" panose="02000000000000000000" pitchFamily="2" charset="0"/>
                           </a:rPr>
@@ -7428,7 +8046,7 @@
                     <m:sSub>
                       <m:sSubPr>
                         <m:ctrlPr>
-                          <a:rPr lang="hr-HR" smtClean="0">
+                          <a:rPr lang="hr-HR" i="1" smtClean="0">
                             <a:latin typeface="Cambria Math" panose="02040503050406030204" pitchFamily="18" charset="0"/>
                             <a:ea typeface="Roboto" panose="02000000000000000000" pitchFamily="2" charset="0"/>
                           </a:rPr>
@@ -7466,7 +8084,7 @@
                     <m:sSub>
                       <m:sSubPr>
                         <m:ctrlPr>
-                          <a:rPr lang="hr-HR" smtClean="0">
+                          <a:rPr lang="hr-HR" i="1" smtClean="0">
                             <a:latin typeface="Cambria Math" panose="02040503050406030204" pitchFamily="18" charset="0"/>
                             <a:ea typeface="Roboto" panose="02000000000000000000" pitchFamily="2" charset="0"/>
                           </a:rPr>
@@ -7504,7 +8122,7 @@
                     <m:sSub>
                       <m:sSubPr>
                         <m:ctrlPr>
-                          <a:rPr lang="hr-HR" smtClean="0">
+                          <a:rPr lang="hr-HR" i="1" smtClean="0">
                             <a:latin typeface="Cambria Math" panose="02040503050406030204" pitchFamily="18" charset="0"/>
                             <a:ea typeface="Roboto" panose="02000000000000000000" pitchFamily="2" charset="0"/>
                           </a:rPr>
@@ -7581,7 +8199,7 @@
             </p:txBody>
           </p:sp>
         </mc:Choice>
-        <mc:Fallback>
+        <mc:Fallback xmlns="">
           <p:sp>
             <p:nvSpPr>
               <p:cNvPr id="3" name="Content Placeholder 2">
